--- a/algoritmo de probabilidad.pptx
+++ b/algoritmo de probabilidad.pptx
@@ -105,7 +105,16 @@
       </a:defRPr>
     </a:lvl9pPr>
   </p:defaultTextStyle>
+  <p:extLst>
+    <p:ext uri="{EFAFB233-063F-42B5-8137-9DF3F51BA10A}">
+      <p15:sldGuideLst xmlns:p15="http://schemas.microsoft.com/office/powerpoint/2012/main"/>
+    </p:ext>
+  </p:extLst>
 </p:presentation>
+</file>
+
+<file path=ppt/revisionInfo.xml><?xml version="1.0" encoding="utf-8"?>
+<p1510:revInfo xmlns:a="http://schemas.openxmlformats.org/drawingml/2006/main" xmlns:r="http://schemas.openxmlformats.org/officeDocument/2006/relationships" xmlns:p1510="http://schemas.microsoft.com/office/powerpoint/2015/10/main"/>
 </file>
 
 <file path=ppt/slideLayouts/slideLayout1.xml><?xml version="1.0" encoding="utf-8"?>
@@ -150,10 +159,9 @@
           </a:lstStyle>
           <a:p>
             <a:r>
-              <a:rPr lang="en-US" smtClean="0"/>
+              <a:rPr lang="en-US"/>
               <a:t>Click to edit Master title style</a:t>
             </a:r>
-            <a:endParaRPr lang="en-US"/>
           </a:p>
         </p:txBody>
       </p:sp>
@@ -215,10 +223,9 @@
           </a:lstStyle>
           <a:p>
             <a:r>
-              <a:rPr lang="en-US" smtClean="0"/>
+              <a:rPr lang="en-US"/>
               <a:t>Click to edit Master subtitle style</a:t>
             </a:r>
-            <a:endParaRPr lang="en-US"/>
           </a:p>
         </p:txBody>
       </p:sp>
@@ -239,7 +246,7 @@
           <a:p>
             <a:fld id="{FFE4E712-A0EE-46C1-BC50-D4045B7D1053}" type="datetimeFigureOut">
               <a:rPr lang="en-US" smtClean="0"/>
-              <a:t>9/14/2017</a:t>
+              <a:t>9/18/2017</a:t>
             </a:fld>
             <a:endParaRPr lang="en-US"/>
           </a:p>
@@ -333,10 +340,9 @@
           <a:lstStyle/>
           <a:p>
             <a:r>
-              <a:rPr lang="en-US" smtClean="0"/>
+              <a:rPr lang="en-US"/>
               <a:t>Click to edit Master title style</a:t>
             </a:r>
-            <a:endParaRPr lang="en-US"/>
           </a:p>
         </p:txBody>
       </p:sp>
@@ -357,38 +363,37 @@
           <a:p>
             <a:pPr lvl="0"/>
             <a:r>
-              <a:rPr lang="en-US" smtClean="0"/>
+              <a:rPr lang="en-US"/>
               <a:t>Edit Master text styles</a:t>
             </a:r>
           </a:p>
           <a:p>
             <a:pPr lvl="1"/>
             <a:r>
-              <a:rPr lang="en-US" smtClean="0"/>
+              <a:rPr lang="en-US"/>
               <a:t>Second level</a:t>
             </a:r>
           </a:p>
           <a:p>
             <a:pPr lvl="2"/>
             <a:r>
-              <a:rPr lang="en-US" smtClean="0"/>
+              <a:rPr lang="en-US"/>
               <a:t>Third level</a:t>
             </a:r>
           </a:p>
           <a:p>
             <a:pPr lvl="3"/>
             <a:r>
-              <a:rPr lang="en-US" smtClean="0"/>
+              <a:rPr lang="en-US"/>
               <a:t>Fourth level</a:t>
             </a:r>
           </a:p>
           <a:p>
             <a:pPr lvl="4"/>
             <a:r>
-              <a:rPr lang="en-US" smtClean="0"/>
+              <a:rPr lang="en-US"/>
               <a:t>Fifth level</a:t>
             </a:r>
-            <a:endParaRPr lang="en-US"/>
           </a:p>
         </p:txBody>
       </p:sp>
@@ -409,7 +414,7 @@
           <a:p>
             <a:fld id="{FFE4E712-A0EE-46C1-BC50-D4045B7D1053}" type="datetimeFigureOut">
               <a:rPr lang="en-US" smtClean="0"/>
-              <a:t>9/14/2017</a:t>
+              <a:t>9/18/2017</a:t>
             </a:fld>
             <a:endParaRPr lang="en-US"/>
           </a:p>
@@ -508,10 +513,9 @@
           <a:lstStyle/>
           <a:p>
             <a:r>
-              <a:rPr lang="en-US" smtClean="0"/>
+              <a:rPr lang="en-US"/>
               <a:t>Click to edit Master title style</a:t>
             </a:r>
-            <a:endParaRPr lang="en-US"/>
           </a:p>
         </p:txBody>
       </p:sp>
@@ -537,38 +541,37 @@
           <a:p>
             <a:pPr lvl="0"/>
             <a:r>
-              <a:rPr lang="en-US" smtClean="0"/>
+              <a:rPr lang="en-US"/>
               <a:t>Edit Master text styles</a:t>
             </a:r>
           </a:p>
           <a:p>
             <a:pPr lvl="1"/>
             <a:r>
-              <a:rPr lang="en-US" smtClean="0"/>
+              <a:rPr lang="en-US"/>
               <a:t>Second level</a:t>
             </a:r>
           </a:p>
           <a:p>
             <a:pPr lvl="2"/>
             <a:r>
-              <a:rPr lang="en-US" smtClean="0"/>
+              <a:rPr lang="en-US"/>
               <a:t>Third level</a:t>
             </a:r>
           </a:p>
           <a:p>
             <a:pPr lvl="3"/>
             <a:r>
-              <a:rPr lang="en-US" smtClean="0"/>
+              <a:rPr lang="en-US"/>
               <a:t>Fourth level</a:t>
             </a:r>
           </a:p>
           <a:p>
             <a:pPr lvl="4"/>
             <a:r>
-              <a:rPr lang="en-US" smtClean="0"/>
+              <a:rPr lang="en-US"/>
               <a:t>Fifth level</a:t>
             </a:r>
-            <a:endParaRPr lang="en-US"/>
           </a:p>
         </p:txBody>
       </p:sp>
@@ -589,7 +592,7 @@
           <a:p>
             <a:fld id="{FFE4E712-A0EE-46C1-BC50-D4045B7D1053}" type="datetimeFigureOut">
               <a:rPr lang="en-US" smtClean="0"/>
-              <a:t>9/14/2017</a:t>
+              <a:t>9/18/2017</a:t>
             </a:fld>
             <a:endParaRPr lang="en-US"/>
           </a:p>
@@ -683,10 +686,9 @@
           <a:lstStyle/>
           <a:p>
             <a:r>
-              <a:rPr lang="en-US" smtClean="0"/>
+              <a:rPr lang="en-US"/>
               <a:t>Click to edit Master title style</a:t>
             </a:r>
-            <a:endParaRPr lang="en-US"/>
           </a:p>
         </p:txBody>
       </p:sp>
@@ -707,38 +709,37 @@
           <a:p>
             <a:pPr lvl="0"/>
             <a:r>
-              <a:rPr lang="en-US" smtClean="0"/>
+              <a:rPr lang="en-US"/>
               <a:t>Edit Master text styles</a:t>
             </a:r>
           </a:p>
           <a:p>
             <a:pPr lvl="1"/>
             <a:r>
-              <a:rPr lang="en-US" smtClean="0"/>
+              <a:rPr lang="en-US"/>
               <a:t>Second level</a:t>
             </a:r>
           </a:p>
           <a:p>
             <a:pPr lvl="2"/>
             <a:r>
-              <a:rPr lang="en-US" smtClean="0"/>
+              <a:rPr lang="en-US"/>
               <a:t>Third level</a:t>
             </a:r>
           </a:p>
           <a:p>
             <a:pPr lvl="3"/>
             <a:r>
-              <a:rPr lang="en-US" smtClean="0"/>
+              <a:rPr lang="en-US"/>
               <a:t>Fourth level</a:t>
             </a:r>
           </a:p>
           <a:p>
             <a:pPr lvl="4"/>
             <a:r>
-              <a:rPr lang="en-US" smtClean="0"/>
+              <a:rPr lang="en-US"/>
               <a:t>Fifth level</a:t>
             </a:r>
-            <a:endParaRPr lang="en-US"/>
           </a:p>
         </p:txBody>
       </p:sp>
@@ -759,7 +760,7 @@
           <a:p>
             <a:fld id="{FFE4E712-A0EE-46C1-BC50-D4045B7D1053}" type="datetimeFigureOut">
               <a:rPr lang="en-US" smtClean="0"/>
-              <a:t>9/14/2017</a:t>
+              <a:t>9/18/2017</a:t>
             </a:fld>
             <a:endParaRPr lang="en-US"/>
           </a:p>
@@ -862,10 +863,9 @@
           </a:lstStyle>
           <a:p>
             <a:r>
-              <a:rPr lang="en-US" smtClean="0"/>
+              <a:rPr lang="en-US"/>
               <a:t>Click to edit Master title style</a:t>
             </a:r>
-            <a:endParaRPr lang="en-US"/>
           </a:p>
         </p:txBody>
       </p:sp>
@@ -982,7 +982,7 @@
           <a:p>
             <a:pPr lvl="0"/>
             <a:r>
-              <a:rPr lang="en-US" smtClean="0"/>
+              <a:rPr lang="en-US"/>
               <a:t>Edit Master text styles</a:t>
             </a:r>
           </a:p>
@@ -1005,7 +1005,7 @@
           <a:p>
             <a:fld id="{FFE4E712-A0EE-46C1-BC50-D4045B7D1053}" type="datetimeFigureOut">
               <a:rPr lang="en-US" smtClean="0"/>
-              <a:t>9/14/2017</a:t>
+              <a:t>9/18/2017</a:t>
             </a:fld>
             <a:endParaRPr lang="en-US"/>
           </a:p>
@@ -1099,10 +1099,9 @@
           <a:lstStyle/>
           <a:p>
             <a:r>
-              <a:rPr lang="en-US" smtClean="0"/>
+              <a:rPr lang="en-US"/>
               <a:t>Click to edit Master title style</a:t>
             </a:r>
-            <a:endParaRPr lang="en-US"/>
           </a:p>
         </p:txBody>
       </p:sp>
@@ -1128,38 +1127,37 @@
           <a:p>
             <a:pPr lvl="0"/>
             <a:r>
-              <a:rPr lang="en-US" smtClean="0"/>
+              <a:rPr lang="en-US"/>
               <a:t>Edit Master text styles</a:t>
             </a:r>
           </a:p>
           <a:p>
             <a:pPr lvl="1"/>
             <a:r>
-              <a:rPr lang="en-US" smtClean="0"/>
+              <a:rPr lang="en-US"/>
               <a:t>Second level</a:t>
             </a:r>
           </a:p>
           <a:p>
             <a:pPr lvl="2"/>
             <a:r>
-              <a:rPr lang="en-US" smtClean="0"/>
+              <a:rPr lang="en-US"/>
               <a:t>Third level</a:t>
             </a:r>
           </a:p>
           <a:p>
             <a:pPr lvl="3"/>
             <a:r>
-              <a:rPr lang="en-US" smtClean="0"/>
+              <a:rPr lang="en-US"/>
               <a:t>Fourth level</a:t>
             </a:r>
           </a:p>
           <a:p>
             <a:pPr lvl="4"/>
             <a:r>
-              <a:rPr lang="en-US" smtClean="0"/>
+              <a:rPr lang="en-US"/>
               <a:t>Fifth level</a:t>
             </a:r>
-            <a:endParaRPr lang="en-US"/>
           </a:p>
         </p:txBody>
       </p:sp>
@@ -1185,38 +1183,37 @@
           <a:p>
             <a:pPr lvl="0"/>
             <a:r>
-              <a:rPr lang="en-US" smtClean="0"/>
+              <a:rPr lang="en-US"/>
               <a:t>Edit Master text styles</a:t>
             </a:r>
           </a:p>
           <a:p>
             <a:pPr lvl="1"/>
             <a:r>
-              <a:rPr lang="en-US" smtClean="0"/>
+              <a:rPr lang="en-US"/>
               <a:t>Second level</a:t>
             </a:r>
           </a:p>
           <a:p>
             <a:pPr lvl="2"/>
             <a:r>
-              <a:rPr lang="en-US" smtClean="0"/>
+              <a:rPr lang="en-US"/>
               <a:t>Third level</a:t>
             </a:r>
           </a:p>
           <a:p>
             <a:pPr lvl="3"/>
             <a:r>
-              <a:rPr lang="en-US" smtClean="0"/>
+              <a:rPr lang="en-US"/>
               <a:t>Fourth level</a:t>
             </a:r>
           </a:p>
           <a:p>
             <a:pPr lvl="4"/>
             <a:r>
-              <a:rPr lang="en-US" smtClean="0"/>
+              <a:rPr lang="en-US"/>
               <a:t>Fifth level</a:t>
             </a:r>
-            <a:endParaRPr lang="en-US"/>
           </a:p>
         </p:txBody>
       </p:sp>
@@ -1237,7 +1234,7 @@
           <a:p>
             <a:fld id="{FFE4E712-A0EE-46C1-BC50-D4045B7D1053}" type="datetimeFigureOut">
               <a:rPr lang="en-US" smtClean="0"/>
-              <a:t>9/14/2017</a:t>
+              <a:t>9/18/2017</a:t>
             </a:fld>
             <a:endParaRPr lang="en-US"/>
           </a:p>
@@ -1336,10 +1333,9 @@
           <a:lstStyle/>
           <a:p>
             <a:r>
-              <a:rPr lang="en-US" smtClean="0"/>
+              <a:rPr lang="en-US"/>
               <a:t>Click to edit Master title style</a:t>
             </a:r>
-            <a:endParaRPr lang="en-US"/>
           </a:p>
         </p:txBody>
       </p:sp>
@@ -1402,7 +1398,7 @@
           <a:p>
             <a:pPr lvl="0"/>
             <a:r>
-              <a:rPr lang="en-US" smtClean="0"/>
+              <a:rPr lang="en-US"/>
               <a:t>Edit Master text styles</a:t>
             </a:r>
           </a:p>
@@ -1430,38 +1426,37 @@
           <a:p>
             <a:pPr lvl="0"/>
             <a:r>
-              <a:rPr lang="en-US" smtClean="0"/>
+              <a:rPr lang="en-US"/>
               <a:t>Edit Master text styles</a:t>
             </a:r>
           </a:p>
           <a:p>
             <a:pPr lvl="1"/>
             <a:r>
-              <a:rPr lang="en-US" smtClean="0"/>
+              <a:rPr lang="en-US"/>
               <a:t>Second level</a:t>
             </a:r>
           </a:p>
           <a:p>
             <a:pPr lvl="2"/>
             <a:r>
-              <a:rPr lang="en-US" smtClean="0"/>
+              <a:rPr lang="en-US"/>
               <a:t>Third level</a:t>
             </a:r>
           </a:p>
           <a:p>
             <a:pPr lvl="3"/>
             <a:r>
-              <a:rPr lang="en-US" smtClean="0"/>
+              <a:rPr lang="en-US"/>
               <a:t>Fourth level</a:t>
             </a:r>
           </a:p>
           <a:p>
             <a:pPr lvl="4"/>
             <a:r>
-              <a:rPr lang="en-US" smtClean="0"/>
+              <a:rPr lang="en-US"/>
               <a:t>Fifth level</a:t>
             </a:r>
-            <a:endParaRPr lang="en-US"/>
           </a:p>
         </p:txBody>
       </p:sp>
@@ -1524,7 +1519,7 @@
           <a:p>
             <a:pPr lvl="0"/>
             <a:r>
-              <a:rPr lang="en-US" smtClean="0"/>
+              <a:rPr lang="en-US"/>
               <a:t>Edit Master text styles</a:t>
             </a:r>
           </a:p>
@@ -1552,38 +1547,37 @@
           <a:p>
             <a:pPr lvl="0"/>
             <a:r>
-              <a:rPr lang="en-US" smtClean="0"/>
+              <a:rPr lang="en-US"/>
               <a:t>Edit Master text styles</a:t>
             </a:r>
           </a:p>
           <a:p>
             <a:pPr lvl="1"/>
             <a:r>
-              <a:rPr lang="en-US" smtClean="0"/>
+              <a:rPr lang="en-US"/>
               <a:t>Second level</a:t>
             </a:r>
           </a:p>
           <a:p>
             <a:pPr lvl="2"/>
             <a:r>
-              <a:rPr lang="en-US" smtClean="0"/>
+              <a:rPr lang="en-US"/>
               <a:t>Third level</a:t>
             </a:r>
           </a:p>
           <a:p>
             <a:pPr lvl="3"/>
             <a:r>
-              <a:rPr lang="en-US" smtClean="0"/>
+              <a:rPr lang="en-US"/>
               <a:t>Fourth level</a:t>
             </a:r>
           </a:p>
           <a:p>
             <a:pPr lvl="4"/>
             <a:r>
-              <a:rPr lang="en-US" smtClean="0"/>
+              <a:rPr lang="en-US"/>
               <a:t>Fifth level</a:t>
             </a:r>
-            <a:endParaRPr lang="en-US"/>
           </a:p>
         </p:txBody>
       </p:sp>
@@ -1604,7 +1598,7 @@
           <a:p>
             <a:fld id="{FFE4E712-A0EE-46C1-BC50-D4045B7D1053}" type="datetimeFigureOut">
               <a:rPr lang="en-US" smtClean="0"/>
-              <a:t>9/14/2017</a:t>
+              <a:t>9/18/2017</a:t>
             </a:fld>
             <a:endParaRPr lang="en-US"/>
           </a:p>
@@ -1698,10 +1692,9 @@
           <a:lstStyle/>
           <a:p>
             <a:r>
-              <a:rPr lang="en-US" smtClean="0"/>
+              <a:rPr lang="en-US"/>
               <a:t>Click to edit Master title style</a:t>
             </a:r>
-            <a:endParaRPr lang="en-US"/>
           </a:p>
         </p:txBody>
       </p:sp>
@@ -1722,7 +1715,7 @@
           <a:p>
             <a:fld id="{FFE4E712-A0EE-46C1-BC50-D4045B7D1053}" type="datetimeFigureOut">
               <a:rPr lang="en-US" smtClean="0"/>
-              <a:t>9/14/2017</a:t>
+              <a:t>9/18/2017</a:t>
             </a:fld>
             <a:endParaRPr lang="en-US"/>
           </a:p>
@@ -1817,7 +1810,7 @@
           <a:p>
             <a:fld id="{FFE4E712-A0EE-46C1-BC50-D4045B7D1053}" type="datetimeFigureOut">
               <a:rPr lang="en-US" smtClean="0"/>
-              <a:t>9/14/2017</a:t>
+              <a:t>9/18/2017</a:t>
             </a:fld>
             <a:endParaRPr lang="en-US"/>
           </a:p>
@@ -1920,10 +1913,9 @@
           </a:lstStyle>
           <a:p>
             <a:r>
-              <a:rPr lang="en-US" smtClean="0"/>
+              <a:rPr lang="en-US"/>
               <a:t>Click to edit Master title style</a:t>
             </a:r>
-            <a:endParaRPr lang="en-US"/>
           </a:p>
         </p:txBody>
       </p:sp>
@@ -1977,38 +1969,37 @@
           <a:p>
             <a:pPr lvl="0"/>
             <a:r>
-              <a:rPr lang="en-US" smtClean="0"/>
+              <a:rPr lang="en-US"/>
               <a:t>Edit Master text styles</a:t>
             </a:r>
           </a:p>
           <a:p>
             <a:pPr lvl="1"/>
             <a:r>
-              <a:rPr lang="en-US" smtClean="0"/>
+              <a:rPr lang="en-US"/>
               <a:t>Second level</a:t>
             </a:r>
           </a:p>
           <a:p>
             <a:pPr lvl="2"/>
             <a:r>
-              <a:rPr lang="en-US" smtClean="0"/>
+              <a:rPr lang="en-US"/>
               <a:t>Third level</a:t>
             </a:r>
           </a:p>
           <a:p>
             <a:pPr lvl="3"/>
             <a:r>
-              <a:rPr lang="en-US" smtClean="0"/>
+              <a:rPr lang="en-US"/>
               <a:t>Fourth level</a:t>
             </a:r>
           </a:p>
           <a:p>
             <a:pPr lvl="4"/>
             <a:r>
-              <a:rPr lang="en-US" smtClean="0"/>
+              <a:rPr lang="en-US"/>
               <a:t>Fifth level</a:t>
             </a:r>
-            <a:endParaRPr lang="en-US"/>
           </a:p>
         </p:txBody>
       </p:sp>
@@ -2071,7 +2062,7 @@
           <a:p>
             <a:pPr lvl="0"/>
             <a:r>
-              <a:rPr lang="en-US" smtClean="0"/>
+              <a:rPr lang="en-US"/>
               <a:t>Edit Master text styles</a:t>
             </a:r>
           </a:p>
@@ -2094,7 +2085,7 @@
           <a:p>
             <a:fld id="{FFE4E712-A0EE-46C1-BC50-D4045B7D1053}" type="datetimeFigureOut">
               <a:rPr lang="en-US" smtClean="0"/>
-              <a:t>9/14/2017</a:t>
+              <a:t>9/18/2017</a:t>
             </a:fld>
             <a:endParaRPr lang="en-US"/>
           </a:p>
@@ -2197,10 +2188,9 @@
           </a:lstStyle>
           <a:p>
             <a:r>
-              <a:rPr lang="en-US" smtClean="0"/>
+              <a:rPr lang="en-US"/>
               <a:t>Click to edit Master title style</a:t>
             </a:r>
-            <a:endParaRPr lang="en-US"/>
           </a:p>
         </p:txBody>
       </p:sp>
@@ -2324,7 +2314,7 @@
           <a:p>
             <a:pPr lvl="0"/>
             <a:r>
-              <a:rPr lang="en-US" smtClean="0"/>
+              <a:rPr lang="en-US"/>
               <a:t>Edit Master text styles</a:t>
             </a:r>
           </a:p>
@@ -2347,7 +2337,7 @@
           <a:p>
             <a:fld id="{FFE4E712-A0EE-46C1-BC50-D4045B7D1053}" type="datetimeFigureOut">
               <a:rPr lang="en-US" smtClean="0"/>
-              <a:t>9/14/2017</a:t>
+              <a:t>9/18/2017</a:t>
             </a:fld>
             <a:endParaRPr lang="en-US"/>
           </a:p>
@@ -2456,10 +2446,9 @@
           <a:lstStyle/>
           <a:p>
             <a:r>
-              <a:rPr lang="en-US" smtClean="0"/>
+              <a:rPr lang="en-US"/>
               <a:t>Click to edit Master title style</a:t>
             </a:r>
-            <a:endParaRPr lang="en-US"/>
           </a:p>
         </p:txBody>
       </p:sp>
@@ -2490,38 +2479,37 @@
           <a:p>
             <a:pPr lvl="0"/>
             <a:r>
-              <a:rPr lang="en-US" smtClean="0"/>
+              <a:rPr lang="en-US"/>
               <a:t>Edit Master text styles</a:t>
             </a:r>
           </a:p>
           <a:p>
             <a:pPr lvl="1"/>
             <a:r>
-              <a:rPr lang="en-US" smtClean="0"/>
+              <a:rPr lang="en-US"/>
               <a:t>Second level</a:t>
             </a:r>
           </a:p>
           <a:p>
             <a:pPr lvl="2"/>
             <a:r>
-              <a:rPr lang="en-US" smtClean="0"/>
+              <a:rPr lang="en-US"/>
               <a:t>Third level</a:t>
             </a:r>
           </a:p>
           <a:p>
             <a:pPr lvl="3"/>
             <a:r>
-              <a:rPr lang="en-US" smtClean="0"/>
+              <a:rPr lang="en-US"/>
               <a:t>Fourth level</a:t>
             </a:r>
           </a:p>
           <a:p>
             <a:pPr lvl="4"/>
             <a:r>
-              <a:rPr lang="en-US" smtClean="0"/>
+              <a:rPr lang="en-US"/>
               <a:t>Fifth level</a:t>
             </a:r>
-            <a:endParaRPr lang="en-US"/>
           </a:p>
         </p:txBody>
       </p:sp>
@@ -2560,7 +2548,7 @@
           <a:p>
             <a:fld id="{FFE4E712-A0EE-46C1-BC50-D4045B7D1053}" type="datetimeFigureOut">
               <a:rPr lang="en-US" smtClean="0"/>
-              <a:t>9/14/2017</a:t>
+              <a:t>9/18/2017</a:t>
             </a:fld>
             <a:endParaRPr lang="en-US"/>
           </a:p>
@@ -2981,7 +2969,7 @@
           <a:lstStyle/>
           <a:p>
             <a:r>
-              <a:rPr lang="en-US" dirty="0" err="1" smtClean="0"/>
+              <a:rPr lang="en-US" dirty="0" err="1"/>
               <a:t>atk</a:t>
             </a:r>
             <a:endParaRPr lang="en-US" dirty="0"/>
@@ -3053,172 +3041,168 @@
           <a:lstStyle/>
           <a:p>
             <a:r>
-              <a:rPr lang="en-US" dirty="0" err="1" smtClean="0"/>
+              <a:rPr lang="en-US" dirty="0" err="1"/>
               <a:t>Tiro</a:t>
             </a:r>
             <a:r>
-              <a:rPr lang="en-US" dirty="0" smtClean="0"/>
+              <a:rPr lang="en-US" dirty="0"/>
               <a:t> – </a:t>
             </a:r>
             <a:r>
-              <a:rPr lang="en-US" dirty="0" err="1" smtClean="0"/>
+              <a:rPr lang="en-US" dirty="0" err="1"/>
               <a:t>malla</a:t>
             </a:r>
             <a:r>
-              <a:rPr lang="en-US" dirty="0" smtClean="0"/>
+              <a:rPr lang="en-US" dirty="0"/>
               <a:t> -----------------------------– </a:t>
             </a:r>
             <a:r>
-              <a:rPr lang="en-US" dirty="0" err="1" smtClean="0"/>
+              <a:rPr lang="en-US" dirty="0" err="1"/>
               <a:t>gol</a:t>
             </a:r>
-            <a:endParaRPr lang="en-US" dirty="0" smtClean="0"/>
-          </a:p>
-          <a:p>
+            <a:endParaRPr lang="en-US" dirty="0"/>
+          </a:p>
+          <a:p>
+            <a:r>
+              <a:rPr lang="en-US" dirty="0"/>
+              <a:t>                         ---------------------------- </a:t>
+            </a:r>
+            <a:r>
+              <a:rPr lang="en-US" dirty="0" err="1"/>
+              <a:t>atrape</a:t>
+            </a:r>
             <a:r>
               <a:rPr lang="en-US" dirty="0"/>
               <a:t> </a:t>
             </a:r>
-            <a:r>
-              <a:rPr lang="en-US" dirty="0" smtClean="0"/>
-              <a:t>                        ---------------------------- </a:t>
-            </a:r>
-            <a:r>
-              <a:rPr lang="en-US" dirty="0" err="1" smtClean="0"/>
-              <a:t>atrape</a:t>
-            </a:r>
-            <a:r>
-              <a:rPr lang="en-US" dirty="0" smtClean="0"/>
-              <a:t> </a:t>
-            </a:r>
-          </a:p>
-          <a:p>
+          </a:p>
+          <a:p>
+            <a:r>
+              <a:rPr lang="en-US" dirty="0"/>
+              <a:t>         - </a:t>
+            </a:r>
+            <a:r>
+              <a:rPr lang="en-US" dirty="0" err="1"/>
+              <a:t>palo</a:t>
+            </a:r>
+            <a:r>
+              <a:rPr lang="en-US" dirty="0"/>
+              <a:t> ----- </a:t>
+            </a:r>
+            <a:r>
+              <a:rPr lang="en-US" dirty="0" err="1"/>
+              <a:t>tiro</a:t>
+            </a:r>
             <a:r>
               <a:rPr lang="en-US" dirty="0"/>
               <a:t> </a:t>
             </a:r>
-            <a:r>
-              <a:rPr lang="en-US" dirty="0" smtClean="0"/>
-              <a:t>                      ------------------------------ </a:t>
-            </a:r>
-            <a:r>
-              <a:rPr lang="en-US" dirty="0" err="1" smtClean="0"/>
-              <a:t>palo</a:t>
-            </a:r>
-            <a:r>
-              <a:rPr lang="en-US" dirty="0" smtClean="0"/>
-              <a:t> ----- </a:t>
-            </a:r>
-            <a:r>
-              <a:rPr lang="en-US" dirty="0" err="1" smtClean="0"/>
-              <a:t>tiro</a:t>
-            </a:r>
-            <a:r>
-              <a:rPr lang="en-US" dirty="0" smtClean="0"/>
+          </a:p>
+          <a:p>
+            <a:pPr marL="1828800" lvl="4" indent="0">
+              <a:buNone/>
+            </a:pPr>
+            <a:r>
+              <a:rPr lang="en-US" sz="2800" dirty="0"/>
+              <a:t>------</a:t>
+            </a:r>
+            <a:r>
+              <a:rPr lang="en-US" sz="2800" dirty="0" err="1"/>
+              <a:t>atrape</a:t>
+            </a:r>
+            <a:r>
+              <a:rPr lang="en-US" sz="2800" dirty="0"/>
+              <a:t> (de </a:t>
+            </a:r>
+            <a:r>
+              <a:rPr lang="en-US" sz="2800" dirty="0" err="1"/>
+              <a:t>potero</a:t>
+            </a:r>
+            <a:r>
+              <a:rPr lang="en-US" sz="2800" dirty="0"/>
+              <a:t>) </a:t>
+            </a:r>
+          </a:p>
+          <a:p>
+            <a:pPr marL="1828800" lvl="4" indent="0">
+              <a:buNone/>
+            </a:pPr>
+            <a:r>
+              <a:rPr lang="en-US" sz="2800" dirty="0"/>
+              <a:t>------ corner ----- </a:t>
+            </a:r>
+            <a:r>
+              <a:rPr lang="en-US" sz="2800" dirty="0" err="1"/>
+              <a:t>pase</a:t>
+            </a:r>
+            <a:r>
+              <a:rPr lang="en-US" sz="2800" dirty="0"/>
+              <a:t> (</a:t>
+            </a:r>
+            <a:r>
+              <a:rPr lang="en-US" sz="2800" dirty="0" err="1"/>
+              <a:t>otro</a:t>
+            </a:r>
+            <a:r>
+              <a:rPr lang="en-US" sz="2800" dirty="0"/>
               <a:t> </a:t>
             </a:r>
-          </a:p>
-          <a:p>
+            <a:r>
+              <a:rPr lang="en-US" sz="2800" dirty="0" err="1"/>
+              <a:t>equipo</a:t>
+            </a:r>
+            <a:r>
+              <a:rPr lang="en-US" sz="2800" dirty="0"/>
+              <a:t>)</a:t>
+            </a:r>
+          </a:p>
+          <a:p>
+            <a:pPr marL="1828800" lvl="4" indent="0">
+              <a:buNone/>
+            </a:pPr>
+            <a:r>
+              <a:rPr lang="en-US" sz="2800" dirty="0"/>
+              <a:t>------ </a:t>
+            </a:r>
+            <a:r>
+              <a:rPr lang="en-US" sz="2800" dirty="0" err="1"/>
+              <a:t>gol</a:t>
+            </a:r>
+            <a:endParaRPr lang="en-US" sz="2800" dirty="0"/>
+          </a:p>
+          <a:p>
+            <a:pPr marL="3657600" lvl="8" indent="0">
+              <a:buNone/>
+            </a:pPr>
             <a:r>
               <a:rPr lang="en-US" dirty="0"/>
-              <a:t> </a:t>
-            </a:r>
-            <a:r>
-              <a:rPr lang="en-US" dirty="0" smtClean="0"/>
-              <a:t>                                                                      ------</a:t>
-            </a:r>
-            <a:r>
-              <a:rPr lang="en-US" dirty="0" err="1" smtClean="0"/>
-              <a:t>atrape</a:t>
-            </a:r>
-            <a:r>
-              <a:rPr lang="en-US" dirty="0" smtClean="0"/>
-              <a:t> (de </a:t>
-            </a:r>
-            <a:r>
-              <a:rPr lang="en-US" dirty="0" err="1" smtClean="0"/>
-              <a:t>potero</a:t>
-            </a:r>
-            <a:r>
-              <a:rPr lang="en-US" dirty="0" smtClean="0"/>
-              <a:t>)</a:t>
-            </a:r>
-          </a:p>
-          <a:p>
-            <a:pPr marL="3657600" lvl="8" indent="0">
+              <a:t>					            </a:t>
+            </a:r>
+          </a:p>
+          <a:p>
+            <a:pPr marL="457200" lvl="1" indent="0">
               <a:buNone/>
             </a:pPr>
             <a:r>
-              <a:rPr lang="en-US" dirty="0" smtClean="0"/>
-              <a:t>		      ---------- corner ----- </a:t>
-            </a:r>
-            <a:r>
-              <a:rPr lang="en-US" dirty="0" err="1" smtClean="0"/>
+              <a:rPr lang="en-US" dirty="0"/>
+              <a:t>       - no </a:t>
+            </a:r>
+            <a:r>
+              <a:rPr lang="en-US" dirty="0" err="1"/>
+              <a:t>malla</a:t>
+            </a:r>
+            <a:r>
+              <a:rPr lang="en-US" dirty="0"/>
+              <a:t> – </a:t>
+            </a:r>
+            <a:r>
+              <a:rPr lang="en-US" dirty="0" err="1"/>
               <a:t>pase</a:t>
             </a:r>
             <a:r>
-              <a:rPr lang="en-US" dirty="0" smtClean="0"/>
-              <a:t> (</a:t>
-            </a:r>
-            <a:r>
-              <a:rPr lang="en-US" dirty="0" err="1" smtClean="0"/>
-              <a:t>otro</a:t>
-            </a:r>
-            <a:r>
-              <a:rPr lang="en-US" dirty="0" smtClean="0"/>
-              <a:t> </a:t>
-            </a:r>
-            <a:r>
-              <a:rPr lang="en-US" dirty="0" err="1" smtClean="0"/>
-              <a:t>equipo</a:t>
-            </a:r>
-            <a:r>
-              <a:rPr lang="en-US" dirty="0" smtClean="0"/>
-              <a:t>)  </a:t>
-            </a:r>
-          </a:p>
-          <a:p>
-            <a:r>
-              <a:rPr lang="en-US" dirty="0" smtClean="0"/>
-              <a:t> </a:t>
-            </a:r>
-          </a:p>
-          <a:p>
-            <a:r>
               <a:rPr lang="en-US" dirty="0"/>
-              <a:t> </a:t>
-            </a:r>
-            <a:r>
-              <a:rPr lang="en-US" dirty="0" smtClean="0"/>
-              <a:t>					            </a:t>
-            </a:r>
-            <a:endParaRPr lang="en-US" dirty="0"/>
-          </a:p>
-          <a:p>
-            <a:pPr marL="457200" lvl="1" indent="0">
-              <a:buNone/>
-            </a:pPr>
-            <a:r>
-              <a:rPr lang="en-US" dirty="0" smtClean="0"/>
-              <a:t>       - no </a:t>
-            </a:r>
-            <a:r>
-              <a:rPr lang="en-US" dirty="0" err="1" smtClean="0"/>
-              <a:t>malla</a:t>
-            </a:r>
-            <a:r>
-              <a:rPr lang="en-US" dirty="0" smtClean="0"/>
-              <a:t> – </a:t>
-            </a:r>
-            <a:r>
-              <a:rPr lang="en-US" dirty="0" err="1" smtClean="0"/>
-              <a:t>pase</a:t>
-            </a:r>
-            <a:r>
-              <a:rPr lang="en-US" dirty="0" smtClean="0"/>
               <a:t> (porter)</a:t>
             </a:r>
-            <a:endParaRPr lang="en-US" dirty="0"/>
           </a:p>
         </p:txBody>
       </p:sp>

--- a/algoritmo de probabilidad.pptx
+++ b/algoritmo de probabilidad.pptx
@@ -6,7 +6,8 @@
   </p:sldMasterIdLst>
   <p:sldIdLst>
     <p:sldId id="256" r:id="rId2"/>
-    <p:sldId id="257" r:id="rId3"/>
+    <p:sldId id="258" r:id="rId3"/>
+    <p:sldId id="259" r:id="rId4"/>
   </p:sldIdLst>
   <p:sldSz cx="12192000" cy="6858000"/>
   <p:notesSz cx="6858000" cy="9144000"/>
@@ -2955,7 +2956,32 @@
       </p:grpSpPr>
       <p:sp>
         <p:nvSpPr>
-          <p:cNvPr id="2" name="Title 1"/>
+          <p:cNvPr id="3" name="Subtitle 2"/>
+          <p:cNvSpPr>
+            <a:spLocks noGrp="1"/>
+          </p:cNvSpPr>
+          <p:nvPr>
+            <p:ph type="subTitle" idx="1"/>
+          </p:nvPr>
+        </p:nvSpPr>
+        <p:spPr/>
+        <p:txBody>
+          <a:bodyPr/>
+          <a:lstStyle/>
+          <a:p>
+            <a:endParaRPr lang="en-US"/>
+          </a:p>
+        </p:txBody>
+      </p:sp>
+      <p:sp>
+        <p:nvSpPr>
+          <p:cNvPr id="4" name="Title 3">
+            <a:extLst>
+              <a:ext uri="{FF2B5EF4-FFF2-40B4-BE49-F238E27FC236}">
+                <a16:creationId xmlns:a16="http://schemas.microsoft.com/office/drawing/2014/main" id="{16575A22-F963-4FF3-A7A5-C942B338BAD8}"/>
+              </a:ext>
+            </a:extLst>
+          </p:cNvPr>
           <p:cNvSpPr>
             <a:spLocks noGrp="1"/>
           </p:cNvSpPr>
@@ -2968,30 +2994,7 @@
           <a:bodyPr/>
           <a:lstStyle/>
           <a:p>
-            <a:r>
-              <a:rPr lang="en-US" dirty="0" err="1"/>
-              <a:t>atk</a:t>
-            </a:r>
-            <a:endParaRPr lang="en-US" dirty="0"/>
-          </a:p>
-        </p:txBody>
-      </p:sp>
-      <p:sp>
-        <p:nvSpPr>
-          <p:cNvPr id="3" name="Subtitle 2"/>
-          <p:cNvSpPr>
-            <a:spLocks noGrp="1"/>
-          </p:cNvSpPr>
-          <p:nvPr>
-            <p:ph type="subTitle" idx="1"/>
-          </p:nvPr>
-        </p:nvSpPr>
-        <p:spPr/>
-        <p:txBody>
-          <a:bodyPr/>
-          <a:lstStyle/>
-          <a:p>
-            <a:endParaRPr lang="en-US"/>
+            <a:endParaRPr lang="es-DO"/>
           </a:p>
         </p:txBody>
       </p:sp>
@@ -3027,7 +3030,46 @@
       </p:grpSpPr>
       <p:sp>
         <p:nvSpPr>
-          <p:cNvPr id="3" name="Content Placeholder 2"/>
+          <p:cNvPr id="2" name="Title 1">
+            <a:extLst>
+              <a:ext uri="{FF2B5EF4-FFF2-40B4-BE49-F238E27FC236}">
+                <a16:creationId xmlns:a16="http://schemas.microsoft.com/office/drawing/2014/main" id="{70424E60-3EF5-4FE4-BFF7-E6E14246ED29}"/>
+              </a:ext>
+            </a:extLst>
+          </p:cNvPr>
+          <p:cNvSpPr>
+            <a:spLocks noGrp="1"/>
+          </p:cNvSpPr>
+          <p:nvPr>
+            <p:ph type="title"/>
+          </p:nvPr>
+        </p:nvSpPr>
+        <p:spPr/>
+        <p:txBody>
+          <a:bodyPr/>
+          <a:lstStyle/>
+          <a:p>
+            <a:pPr algn="ctr"/>
+            <a:r>
+              <a:rPr lang="en-US" dirty="0" err="1"/>
+              <a:t>atk</a:t>
+            </a:r>
+            <a:br>
+              <a:rPr lang="en-US" dirty="0"/>
+            </a:br>
+            <a:endParaRPr lang="es-DO" dirty="0"/>
+          </a:p>
+        </p:txBody>
+      </p:sp>
+      <p:sp>
+        <p:nvSpPr>
+          <p:cNvPr id="3" name="Content Placeholder 2">
+            <a:extLst>
+              <a:ext uri="{FF2B5EF4-FFF2-40B4-BE49-F238E27FC236}">
+                <a16:creationId xmlns:a16="http://schemas.microsoft.com/office/drawing/2014/main" id="{4AF8EE8E-B2FE-459B-A10A-BBE277493688}"/>
+              </a:ext>
+            </a:extLst>
+          </p:cNvPr>
           <p:cNvSpPr>
             <a:spLocks noGrp="1"/>
           </p:cNvSpPr>
@@ -3203,13 +3245,104 @@
               <a:rPr lang="en-US" dirty="0"/>
               <a:t> (porter)</a:t>
             </a:r>
+          </a:p>
+          <a:p>
+            <a:endParaRPr lang="es-DO" dirty="0"/>
           </a:p>
         </p:txBody>
       </p:sp>
     </p:spTree>
     <p:extLst>
       <p:ext uri="{BB962C8B-B14F-4D97-AF65-F5344CB8AC3E}">
-        <p14:creationId xmlns:p14="http://schemas.microsoft.com/office/powerpoint/2010/main" val="2698195737"/>
+        <p14:creationId xmlns:p14="http://schemas.microsoft.com/office/powerpoint/2010/main" val="683036572"/>
+      </p:ext>
+    </p:extLst>
+  </p:cSld>
+  <p:clrMapOvr>
+    <a:masterClrMapping/>
+  </p:clrMapOvr>
+</p:sld>
+</file>
+
+<file path=ppt/slides/slide3.xml><?xml version="1.0" encoding="utf-8"?>
+<p:sld xmlns:a="http://schemas.openxmlformats.org/drawingml/2006/main" xmlns:r="http://schemas.openxmlformats.org/officeDocument/2006/relationships" xmlns:p="http://schemas.openxmlformats.org/presentationml/2006/main">
+  <p:cSld>
+    <p:spTree>
+      <p:nvGrpSpPr>
+        <p:cNvPr id="1" name=""/>
+        <p:cNvGrpSpPr/>
+        <p:nvPr/>
+      </p:nvGrpSpPr>
+      <p:grpSpPr>
+        <a:xfrm>
+          <a:off x="0" y="0"/>
+          <a:ext cx="0" cy="0"/>
+          <a:chOff x="0" y="0"/>
+          <a:chExt cx="0" cy="0"/>
+        </a:xfrm>
+      </p:grpSpPr>
+      <p:sp>
+        <p:nvSpPr>
+          <p:cNvPr id="2" name="Title 1">
+            <a:extLst>
+              <a:ext uri="{FF2B5EF4-FFF2-40B4-BE49-F238E27FC236}">
+                <a16:creationId xmlns:a16="http://schemas.microsoft.com/office/drawing/2014/main" id="{70424E60-3EF5-4FE4-BFF7-E6E14246ED29}"/>
+              </a:ext>
+            </a:extLst>
+          </p:cNvPr>
+          <p:cNvSpPr>
+            <a:spLocks noGrp="1"/>
+          </p:cNvSpPr>
+          <p:nvPr>
+            <p:ph type="title"/>
+          </p:nvPr>
+        </p:nvSpPr>
+        <p:spPr/>
+        <p:txBody>
+          <a:bodyPr/>
+          <a:lstStyle/>
+          <a:p>
+            <a:pPr algn="ctr"/>
+            <a:r>
+              <a:rPr lang="en-US" dirty="0" err="1"/>
+              <a:t>centro</a:t>
+            </a:r>
+            <a:br>
+              <a:rPr lang="en-US" dirty="0"/>
+            </a:br>
+            <a:endParaRPr lang="es-DO" dirty="0"/>
+          </a:p>
+        </p:txBody>
+      </p:sp>
+      <p:sp>
+        <p:nvSpPr>
+          <p:cNvPr id="3" name="Content Placeholder 2">
+            <a:extLst>
+              <a:ext uri="{FF2B5EF4-FFF2-40B4-BE49-F238E27FC236}">
+                <a16:creationId xmlns:a16="http://schemas.microsoft.com/office/drawing/2014/main" id="{4AF8EE8E-B2FE-459B-A10A-BBE277493688}"/>
+              </a:ext>
+            </a:extLst>
+          </p:cNvPr>
+          <p:cNvSpPr>
+            <a:spLocks noGrp="1"/>
+          </p:cNvSpPr>
+          <p:nvPr>
+            <p:ph idx="1"/>
+          </p:nvPr>
+        </p:nvSpPr>
+        <p:spPr/>
+        <p:txBody>
+          <a:bodyPr/>
+          <a:lstStyle/>
+          <a:p>
+            <a:endParaRPr lang="es-DO" dirty="0"/>
+          </a:p>
+        </p:txBody>
+      </p:sp>
+    </p:spTree>
+    <p:extLst>
+      <p:ext uri="{BB962C8B-B14F-4D97-AF65-F5344CB8AC3E}">
+        <p14:creationId xmlns:p14="http://schemas.microsoft.com/office/powerpoint/2010/main" val="2718906356"/>
       </p:ext>
     </p:extLst>
   </p:cSld>
